--- a/07-prednaska/07.01-async-callbacks.pptx
+++ b/07-prednaska/07.01-async-callbacks.pptx
@@ -358,7 +358,7 @@
           <a:p>
             <a:fld id="{872A6A74-2788-B34A-91BB-A4AF3F4F9523}" type="datetimeFigureOut">
               <a:rPr lang="sk-SK" smtClean="0"/>
-              <a:t>30.10.19</a:t>
+              <a:t>4.11.2019</a:t>
             </a:fld>
             <a:endParaRPr lang="sk-SK"/>
           </a:p>
@@ -2145,7 +2145,7 @@
           <a:p>
             <a:fld id="{1FBE2C08-0BB8-E84C-876D-46D9639D5D58}" type="datetimeFigureOut">
               <a:rPr lang="sk-SK" smtClean="0"/>
-              <a:t>30.10.19</a:t>
+              <a:t>4.11.2019</a:t>
             </a:fld>
             <a:endParaRPr lang="sk-SK"/>
           </a:p>
@@ -2345,7 +2345,7 @@
           <a:p>
             <a:fld id="{1FBE2C08-0BB8-E84C-876D-46D9639D5D58}" type="datetimeFigureOut">
               <a:rPr lang="sk-SK" smtClean="0"/>
-              <a:t>30.10.19</a:t>
+              <a:t>4.11.2019</a:t>
             </a:fld>
             <a:endParaRPr lang="sk-SK"/>
           </a:p>
@@ -2555,7 +2555,7 @@
           <a:p>
             <a:fld id="{1FBE2C08-0BB8-E84C-876D-46D9639D5D58}" type="datetimeFigureOut">
               <a:rPr lang="sk-SK" smtClean="0"/>
-              <a:t>30.10.19</a:t>
+              <a:t>4.11.2019</a:t>
             </a:fld>
             <a:endParaRPr lang="sk-SK"/>
           </a:p>
@@ -2755,7 +2755,7 @@
           <a:p>
             <a:fld id="{1FBE2C08-0BB8-E84C-876D-46D9639D5D58}" type="datetimeFigureOut">
               <a:rPr lang="sk-SK" smtClean="0"/>
-              <a:t>30.10.19</a:t>
+              <a:t>4.11.2019</a:t>
             </a:fld>
             <a:endParaRPr lang="sk-SK"/>
           </a:p>
@@ -3031,7 +3031,7 @@
           <a:p>
             <a:fld id="{1FBE2C08-0BB8-E84C-876D-46D9639D5D58}" type="datetimeFigureOut">
               <a:rPr lang="sk-SK" smtClean="0"/>
-              <a:t>30.10.19</a:t>
+              <a:t>4.11.2019</a:t>
             </a:fld>
             <a:endParaRPr lang="sk-SK"/>
           </a:p>
@@ -3299,7 +3299,7 @@
           <a:p>
             <a:fld id="{1FBE2C08-0BB8-E84C-876D-46D9639D5D58}" type="datetimeFigureOut">
               <a:rPr lang="sk-SK" smtClean="0"/>
-              <a:t>30.10.19</a:t>
+              <a:t>4.11.2019</a:t>
             </a:fld>
             <a:endParaRPr lang="sk-SK"/>
           </a:p>
@@ -3714,7 +3714,7 @@
           <a:p>
             <a:fld id="{1FBE2C08-0BB8-E84C-876D-46D9639D5D58}" type="datetimeFigureOut">
               <a:rPr lang="sk-SK" smtClean="0"/>
-              <a:t>30.10.19</a:t>
+              <a:t>4.11.2019</a:t>
             </a:fld>
             <a:endParaRPr lang="sk-SK"/>
           </a:p>
@@ -3856,7 +3856,7 @@
           <a:p>
             <a:fld id="{1FBE2C08-0BB8-E84C-876D-46D9639D5D58}" type="datetimeFigureOut">
               <a:rPr lang="sk-SK" smtClean="0"/>
-              <a:t>30.10.19</a:t>
+              <a:t>4.11.2019</a:t>
             </a:fld>
             <a:endParaRPr lang="sk-SK"/>
           </a:p>
@@ -3969,7 +3969,7 @@
           <a:p>
             <a:fld id="{1FBE2C08-0BB8-E84C-876D-46D9639D5D58}" type="datetimeFigureOut">
               <a:rPr lang="sk-SK" smtClean="0"/>
-              <a:t>30.10.19</a:t>
+              <a:t>4.11.2019</a:t>
             </a:fld>
             <a:endParaRPr lang="sk-SK"/>
           </a:p>
@@ -4282,7 +4282,7 @@
           <a:p>
             <a:fld id="{1FBE2C08-0BB8-E84C-876D-46D9639D5D58}" type="datetimeFigureOut">
               <a:rPr lang="sk-SK" smtClean="0"/>
-              <a:t>30.10.19</a:t>
+              <a:t>4.11.2019</a:t>
             </a:fld>
             <a:endParaRPr lang="sk-SK"/>
           </a:p>
@@ -4571,7 +4571,7 @@
           <a:p>
             <a:fld id="{1FBE2C08-0BB8-E84C-876D-46D9639D5D58}" type="datetimeFigureOut">
               <a:rPr lang="sk-SK" smtClean="0"/>
-              <a:t>30.10.19</a:t>
+              <a:t>4.11.2019</a:t>
             </a:fld>
             <a:endParaRPr lang="sk-SK"/>
           </a:p>
@@ -4814,7 +4814,7 @@
           <a:p>
             <a:fld id="{1FBE2C08-0BB8-E84C-876D-46D9639D5D58}" type="datetimeFigureOut">
               <a:rPr lang="sk-SK" smtClean="0"/>
-              <a:t>30.10.19</a:t>
+              <a:t>4.11.2019</a:t>
             </a:fld>
             <a:endParaRPr lang="sk-SK"/>
           </a:p>
@@ -5247,7 +5247,7 @@
                 <a16:creationId xmlns:a16="http://schemas.microsoft.com/office/drawing/2014/main" id="{86197D16-FE75-4A0E-A0C9-28C0F04A43DF}"/>
               </a:ext>
               <a:ext uri="{C183D7F6-B498-43B3-948B-1728B52AA6E4}">
-                <adec:decorative xmlns:adec="http://schemas.microsoft.com/office/drawing/2017/decorative" val="1"/>
+                <adec:decorative xmlns:adec="http://schemas.microsoft.com/office/drawing/2017/decorative" xmlns="" val="1"/>
               </a:ext>
             </a:extLst>
           </p:cNvPr>
@@ -5332,7 +5332,7 @@
                 <a16:creationId xmlns:a16="http://schemas.microsoft.com/office/drawing/2014/main" id="{FA8FCEC6-4B30-4FF2-8B32-504BEAEA3A16}"/>
               </a:ext>
               <a:ext uri="{C183D7F6-B498-43B3-948B-1728B52AA6E4}">
-                <adec:decorative xmlns:adec="http://schemas.microsoft.com/office/drawing/2017/decorative" val="1"/>
+                <adec:decorative xmlns:adec="http://schemas.microsoft.com/office/drawing/2017/decorative" xmlns="" val="1"/>
               </a:ext>
             </a:extLst>
           </p:cNvPr>
@@ -5462,6 +5462,17 @@
                 <a:cs typeface="+mj-cs"/>
               </a:rPr>
             </a:br>
+            <a:r>
+              <a:rPr lang="en-US" sz="6600" kern="1200" dirty="0">
+                <a:solidFill>
+                  <a:srgbClr val="FFFFFF"/>
+                </a:solidFill>
+                <a:latin typeface="+mj-lt"/>
+                <a:ea typeface="+mj-ea"/>
+                <a:cs typeface="+mj-cs"/>
+              </a:rPr>
+              <a:t/>
+            </a:r>
             <a:br>
               <a:rPr lang="en-US" sz="6600" kern="1200" dirty="0">
                 <a:solidFill>
@@ -7561,11 +7572,19 @@
             </a:pPr>
             <a:r>
               <a:rPr lang="sk-SK" sz="5200" b="1" dirty="0"/>
-              <a:t>a, f, b, c, d, </a:t>
-            </a:r>
-            <a:r>
-              <a:rPr lang="sk-SK" sz="5200" b="1" dirty="0" err="1"/>
-              <a:t>e</a:t>
+              <a:t>a, f, b, </a:t>
+            </a:r>
+            <a:r>
+              <a:rPr lang="sk-SK" sz="5200" b="1" dirty="0" smtClean="0"/>
+              <a:t>c,</a:t>
+            </a:r>
+            <a:r>
+              <a:rPr lang="en-GB" sz="5200" b="1" smtClean="0"/>
+              <a:t> e,</a:t>
+            </a:r>
+            <a:r>
+              <a:rPr lang="sk-SK" sz="5200" b="1" dirty="0" smtClean="0"/>
+              <a:t> d</a:t>
             </a:r>
             <a:endParaRPr lang="sk-SK" sz="5200" b="1" dirty="0"/>
           </a:p>
@@ -9796,6 +9815,10 @@
               <a:rPr lang="sk-SK" dirty="0" err="1"/>
               <a:t>solutions</a:t>
             </a:r>
+            <a:r>
+              <a:rPr lang="sk-SK" sz="2400" dirty="0"/>
+              <a:t/>
+            </a:r>
             <a:br>
               <a:rPr lang="sk-SK" sz="2400" dirty="0"/>
             </a:br>
@@ -9821,6 +9844,10 @@
             <a:r>
               <a:rPr lang="sk-SK" sz="2400" b="1" dirty="0" err="1"/>
               <a:t>timeout</a:t>
+            </a:r>
+            <a:r>
+              <a:rPr lang="sk-SK" sz="2400" b="1" dirty="0"/>
+              <a:t/>
             </a:r>
             <a:br>
               <a:rPr lang="sk-SK" sz="2400" b="1" dirty="0"/>
@@ -10720,6 +10747,10 @@
             <a:r>
               <a:rPr lang="sk-SK" dirty="0" err="1"/>
               <a:t>definitions</a:t>
+            </a:r>
+            <a:r>
+              <a:rPr lang="sk-SK" dirty="0"/>
+              <a:t/>
             </a:r>
             <a:br>
               <a:rPr lang="sk-SK" dirty="0"/>
@@ -11634,8 +11665,8 @@
           </a:p>
         </p:txBody>
       </p:sp>
-      <mc:AlternateContent xmlns:mc="http://schemas.openxmlformats.org/markup-compatibility/2006">
-        <mc:Choice xmlns:p14="http://schemas.microsoft.com/office/powerpoint/2010/main" Requires="p14">
+      <mc:AlternateContent xmlns:mc="http://schemas.openxmlformats.org/markup-compatibility/2006" xmlns:p14="http://schemas.microsoft.com/office/powerpoint/2010/main">
+        <mc:Choice Requires="p14">
           <p:contentPart p14:bwMode="auto" r:id="rId3">
             <p14:nvContentPartPr>
               <p14:cNvPr id="5" name="Ink 4">
@@ -11654,7 +11685,7 @@
             </p14:xfrm>
           </p:contentPart>
         </mc:Choice>
-        <mc:Fallback>
+        <mc:Fallback xmlns="">
           <p:pic>
             <p:nvPicPr>
               <p:cNvPr id="5" name="Ink 4">
@@ -11685,8 +11716,8 @@
           </p:pic>
         </mc:Fallback>
       </mc:AlternateContent>
-      <mc:AlternateContent xmlns:mc="http://schemas.openxmlformats.org/markup-compatibility/2006">
-        <mc:Choice xmlns:p14="http://schemas.microsoft.com/office/powerpoint/2010/main" Requires="p14">
+      <mc:AlternateContent xmlns:mc="http://schemas.openxmlformats.org/markup-compatibility/2006" xmlns:p14="http://schemas.microsoft.com/office/powerpoint/2010/main">
+        <mc:Choice Requires="p14">
           <p:contentPart p14:bwMode="auto" r:id="rId5">
             <p14:nvContentPartPr>
               <p14:cNvPr id="17" name="Ink 16">
@@ -11705,7 +11736,7 @@
             </p14:xfrm>
           </p:contentPart>
         </mc:Choice>
-        <mc:Fallback>
+        <mc:Fallback xmlns="">
           <p:pic>
             <p:nvPicPr>
               <p:cNvPr id="17" name="Ink 16">
@@ -11807,6 +11838,10 @@
               <a:rPr lang="sk-SK" dirty="0" err="1"/>
               <a:t>usage</a:t>
             </a:r>
+            <a:r>
+              <a:rPr lang="sk-SK" dirty="0"/>
+              <a:t/>
+            </a:r>
             <a:br>
               <a:rPr lang="sk-SK" dirty="0"/>
             </a:br>
@@ -13008,8 +13043,8 @@
           </a:p>
         </p:txBody>
       </p:sp>
-      <mc:AlternateContent xmlns:mc="http://schemas.openxmlformats.org/markup-compatibility/2006">
-        <mc:Choice xmlns:p14="http://schemas.microsoft.com/office/powerpoint/2010/main" Requires="p14">
+      <mc:AlternateContent xmlns:mc="http://schemas.openxmlformats.org/markup-compatibility/2006" xmlns:p14="http://schemas.microsoft.com/office/powerpoint/2010/main">
+        <mc:Choice Requires="p14">
           <p:contentPart p14:bwMode="auto" r:id="rId3">
             <p14:nvContentPartPr>
               <p14:cNvPr id="5" name="Ink 4">
@@ -13028,7 +13063,7 @@
             </p14:xfrm>
           </p:contentPart>
         </mc:Choice>
-        <mc:Fallback>
+        <mc:Fallback xmlns="">
           <p:pic>
             <p:nvPicPr>
               <p:cNvPr id="5" name="Ink 4">
@@ -13059,8 +13094,8 @@
           </p:pic>
         </mc:Fallback>
       </mc:AlternateContent>
-      <mc:AlternateContent xmlns:mc="http://schemas.openxmlformats.org/markup-compatibility/2006">
-        <mc:Choice xmlns:p14="http://schemas.microsoft.com/office/powerpoint/2010/main" Requires="p14">
+      <mc:AlternateContent xmlns:mc="http://schemas.openxmlformats.org/markup-compatibility/2006" xmlns:p14="http://schemas.microsoft.com/office/powerpoint/2010/main">
+        <mc:Choice Requires="p14">
           <p:contentPart p14:bwMode="auto" r:id="rId5">
             <p14:nvContentPartPr>
               <p14:cNvPr id="6" name="Ink 5">
@@ -13079,7 +13114,7 @@
             </p14:xfrm>
           </p:contentPart>
         </mc:Choice>
-        <mc:Fallback>
+        <mc:Fallback xmlns="">
           <p:pic>
             <p:nvPicPr>
               <p:cNvPr id="6" name="Ink 5">
@@ -13156,7 +13191,7 @@
                 <a16:creationId xmlns:a16="http://schemas.microsoft.com/office/drawing/2014/main" id="{86197D16-FE75-4A0E-A0C9-28C0F04A43DF}"/>
               </a:ext>
               <a:ext uri="{C183D7F6-B498-43B3-948B-1728B52AA6E4}">
-                <adec:decorative xmlns:adec="http://schemas.microsoft.com/office/drawing/2017/decorative" val="1"/>
+                <adec:decorative xmlns:adec="http://schemas.microsoft.com/office/drawing/2017/decorative" xmlns="" val="1"/>
               </a:ext>
             </a:extLst>
           </p:cNvPr>
@@ -13241,7 +13276,7 @@
                 <a16:creationId xmlns:a16="http://schemas.microsoft.com/office/drawing/2014/main" id="{FA8FCEC6-4B30-4FF2-8B32-504BEAEA3A16}"/>
               </a:ext>
               <a:ext uri="{C183D7F6-B498-43B3-948B-1728B52AA6E4}">
-                <adec:decorative xmlns:adec="http://schemas.microsoft.com/office/drawing/2017/decorative" val="1"/>
+                <adec:decorative xmlns:adec="http://schemas.microsoft.com/office/drawing/2017/decorative" xmlns="" val="1"/>
               </a:ext>
             </a:extLst>
           </p:cNvPr>
